--- a/Presentazione VotoElettronico.pptx
+++ b/Presentazione VotoElettronico.pptx
@@ -275,7 +275,7 @@
           <a:p>
             <a:fld id="{8B9F530D-5A9A-4257-A34D-8935CD8FCE2A}" type="datetimeFigureOut">
               <a:rPr lang="en-US" smtClean="0"/>
-              <a:t>6/22/2022</a:t>
+              <a:t>6/26/2022</a:t>
             </a:fld>
             <a:endParaRPr lang="en-US"/>
           </a:p>
@@ -475,7 +475,7 @@
           <a:p>
             <a:fld id="{8B9F530D-5A9A-4257-A34D-8935CD8FCE2A}" type="datetimeFigureOut">
               <a:rPr lang="en-US" smtClean="0"/>
-              <a:t>6/22/2022</a:t>
+              <a:t>6/26/2022</a:t>
             </a:fld>
             <a:endParaRPr lang="en-US"/>
           </a:p>
@@ -685,7 +685,7 @@
           <a:p>
             <a:fld id="{8B9F530D-5A9A-4257-A34D-8935CD8FCE2A}" type="datetimeFigureOut">
               <a:rPr lang="en-US" smtClean="0"/>
-              <a:t>6/22/2022</a:t>
+              <a:t>6/26/2022</a:t>
             </a:fld>
             <a:endParaRPr lang="en-US"/>
           </a:p>
@@ -1707,7 +1707,7 @@
           <a:p>
             <a:fld id="{8B9F530D-5A9A-4257-A34D-8935CD8FCE2A}" type="datetimeFigureOut">
               <a:rPr lang="en-US" smtClean="0"/>
-              <a:t>6/22/2022</a:t>
+              <a:t>6/26/2022</a:t>
             </a:fld>
             <a:endParaRPr lang="en-US"/>
           </a:p>
@@ -1983,7 +1983,7 @@
           <a:p>
             <a:fld id="{8B9F530D-5A9A-4257-A34D-8935CD8FCE2A}" type="datetimeFigureOut">
               <a:rPr lang="en-US" smtClean="0"/>
-              <a:t>6/22/2022</a:t>
+              <a:t>6/26/2022</a:t>
             </a:fld>
             <a:endParaRPr lang="en-US"/>
           </a:p>
@@ -2251,7 +2251,7 @@
           <a:p>
             <a:fld id="{8B9F530D-5A9A-4257-A34D-8935CD8FCE2A}" type="datetimeFigureOut">
               <a:rPr lang="en-US" smtClean="0"/>
-              <a:t>6/22/2022</a:t>
+              <a:t>6/26/2022</a:t>
             </a:fld>
             <a:endParaRPr lang="en-US"/>
           </a:p>
@@ -2666,7 +2666,7 @@
           <a:p>
             <a:fld id="{8B9F530D-5A9A-4257-A34D-8935CD8FCE2A}" type="datetimeFigureOut">
               <a:rPr lang="en-US" smtClean="0"/>
-              <a:t>6/22/2022</a:t>
+              <a:t>6/26/2022</a:t>
             </a:fld>
             <a:endParaRPr lang="en-US"/>
           </a:p>
@@ -2808,7 +2808,7 @@
           <a:p>
             <a:fld id="{8B9F530D-5A9A-4257-A34D-8935CD8FCE2A}" type="datetimeFigureOut">
               <a:rPr lang="en-US" smtClean="0"/>
-              <a:t>6/22/2022</a:t>
+              <a:t>6/26/2022</a:t>
             </a:fld>
             <a:endParaRPr lang="en-US"/>
           </a:p>
@@ -2921,7 +2921,7 @@
           <a:p>
             <a:fld id="{8B9F530D-5A9A-4257-A34D-8935CD8FCE2A}" type="datetimeFigureOut">
               <a:rPr lang="en-US" smtClean="0"/>
-              <a:t>6/22/2022</a:t>
+              <a:t>6/26/2022</a:t>
             </a:fld>
             <a:endParaRPr lang="en-US"/>
           </a:p>
@@ -3234,7 +3234,7 @@
           <a:p>
             <a:fld id="{8B9F530D-5A9A-4257-A34D-8935CD8FCE2A}" type="datetimeFigureOut">
               <a:rPr lang="en-US" smtClean="0"/>
-              <a:t>6/22/2022</a:t>
+              <a:t>6/26/2022</a:t>
             </a:fld>
             <a:endParaRPr lang="en-US"/>
           </a:p>
@@ -3523,7 +3523,7 @@
           <a:p>
             <a:fld id="{8B9F530D-5A9A-4257-A34D-8935CD8FCE2A}" type="datetimeFigureOut">
               <a:rPr lang="en-US" smtClean="0"/>
-              <a:t>6/22/2022</a:t>
+              <a:t>6/26/2022</a:t>
             </a:fld>
             <a:endParaRPr lang="en-US"/>
           </a:p>
@@ -3766,7 +3766,7 @@
           <a:p>
             <a:fld id="{8B9F530D-5A9A-4257-A34D-8935CD8FCE2A}" type="datetimeFigureOut">
               <a:rPr lang="en-US" smtClean="0"/>
-              <a:t>6/22/2022</a:t>
+              <a:t>6/26/2022</a:t>
             </a:fld>
             <a:endParaRPr lang="en-US"/>
           </a:p>
@@ -6770,23 +6770,7 @@
                   <a:schemeClr val="tx1"/>
                 </a:solidFill>
               </a:rPr>
-              <a:t>(1) compilando i campi «Indirizzo email» e «password» e </a:t>
-            </a:r>
-            <a:r>
-              <a:rPr lang="it-IT" sz="1333" dirty="0" err="1">
-                <a:solidFill>
-                  <a:schemeClr val="tx1"/>
-                </a:solidFill>
-              </a:rPr>
-              <a:t>sucessivamente</a:t>
-            </a:r>
-            <a:r>
-              <a:rPr lang="it-IT" sz="1333" dirty="0">
-                <a:solidFill>
-                  <a:schemeClr val="tx1"/>
-                </a:solidFill>
-              </a:rPr>
-              <a:t> cliccando su «LOGIN» l’utente verrà portato nella schermata di creazione delle votazioni</a:t>
+              <a:t>(1) compilando i campi «Indirizzo email» e «password» e successivamente cliccando su «LOGIN» l’utente verrà portato nella schermata di creazione delle votazioni</a:t>
             </a:r>
           </a:p>
           <a:p>

--- a/Presentazione VotoElettronico.pptx
+++ b/Presentazione VotoElettronico.pptx
@@ -18,8 +18,7 @@
     <p:sldId id="1244" r:id="rId12"/>
     <p:sldId id="1245" r:id="rId13"/>
     <p:sldId id="1246" r:id="rId14"/>
-    <p:sldId id="1247" r:id="rId15"/>
-    <p:sldId id="1248" r:id="rId16"/>
+    <p:sldId id="1248" r:id="rId15"/>
   </p:sldIdLst>
   <p:sldSz cx="12192000" cy="6858000"/>
   <p:notesSz cx="6858000" cy="9144000"/>
@@ -275,7 +274,7 @@
           <a:p>
             <a:fld id="{8B9F530D-5A9A-4257-A34D-8935CD8FCE2A}" type="datetimeFigureOut">
               <a:rPr lang="en-US" smtClean="0"/>
-              <a:t>6/26/2022</a:t>
+              <a:t>6/27/2022</a:t>
             </a:fld>
             <a:endParaRPr lang="en-US"/>
           </a:p>
@@ -475,7 +474,7 @@
           <a:p>
             <a:fld id="{8B9F530D-5A9A-4257-A34D-8935CD8FCE2A}" type="datetimeFigureOut">
               <a:rPr lang="en-US" smtClean="0"/>
-              <a:t>6/26/2022</a:t>
+              <a:t>6/27/2022</a:t>
             </a:fld>
             <a:endParaRPr lang="en-US"/>
           </a:p>
@@ -685,7 +684,7 @@
           <a:p>
             <a:fld id="{8B9F530D-5A9A-4257-A34D-8935CD8FCE2A}" type="datetimeFigureOut">
               <a:rPr lang="en-US" smtClean="0"/>
-              <a:t>6/26/2022</a:t>
+              <a:t>6/27/2022</a:t>
             </a:fld>
             <a:endParaRPr lang="en-US"/>
           </a:p>
@@ -1707,7 +1706,7 @@
           <a:p>
             <a:fld id="{8B9F530D-5A9A-4257-A34D-8935CD8FCE2A}" type="datetimeFigureOut">
               <a:rPr lang="en-US" smtClean="0"/>
-              <a:t>6/26/2022</a:t>
+              <a:t>6/27/2022</a:t>
             </a:fld>
             <a:endParaRPr lang="en-US"/>
           </a:p>
@@ -1983,7 +1982,7 @@
           <a:p>
             <a:fld id="{8B9F530D-5A9A-4257-A34D-8935CD8FCE2A}" type="datetimeFigureOut">
               <a:rPr lang="en-US" smtClean="0"/>
-              <a:t>6/26/2022</a:t>
+              <a:t>6/27/2022</a:t>
             </a:fld>
             <a:endParaRPr lang="en-US"/>
           </a:p>
@@ -2251,7 +2250,7 @@
           <a:p>
             <a:fld id="{8B9F530D-5A9A-4257-A34D-8935CD8FCE2A}" type="datetimeFigureOut">
               <a:rPr lang="en-US" smtClean="0"/>
-              <a:t>6/26/2022</a:t>
+              <a:t>6/27/2022</a:t>
             </a:fld>
             <a:endParaRPr lang="en-US"/>
           </a:p>
@@ -2666,7 +2665,7 @@
           <a:p>
             <a:fld id="{8B9F530D-5A9A-4257-A34D-8935CD8FCE2A}" type="datetimeFigureOut">
               <a:rPr lang="en-US" smtClean="0"/>
-              <a:t>6/26/2022</a:t>
+              <a:t>6/27/2022</a:t>
             </a:fld>
             <a:endParaRPr lang="en-US"/>
           </a:p>
@@ -2808,7 +2807,7 @@
           <a:p>
             <a:fld id="{8B9F530D-5A9A-4257-A34D-8935CD8FCE2A}" type="datetimeFigureOut">
               <a:rPr lang="en-US" smtClean="0"/>
-              <a:t>6/26/2022</a:t>
+              <a:t>6/27/2022</a:t>
             </a:fld>
             <a:endParaRPr lang="en-US"/>
           </a:p>
@@ -2921,7 +2920,7 @@
           <a:p>
             <a:fld id="{8B9F530D-5A9A-4257-A34D-8935CD8FCE2A}" type="datetimeFigureOut">
               <a:rPr lang="en-US" smtClean="0"/>
-              <a:t>6/26/2022</a:t>
+              <a:t>6/27/2022</a:t>
             </a:fld>
             <a:endParaRPr lang="en-US"/>
           </a:p>
@@ -3234,7 +3233,7 @@
           <a:p>
             <a:fld id="{8B9F530D-5A9A-4257-A34D-8935CD8FCE2A}" type="datetimeFigureOut">
               <a:rPr lang="en-US" smtClean="0"/>
-              <a:t>6/26/2022</a:t>
+              <a:t>6/27/2022</a:t>
             </a:fld>
             <a:endParaRPr lang="en-US"/>
           </a:p>
@@ -3523,7 +3522,7 @@
           <a:p>
             <a:fld id="{8B9F530D-5A9A-4257-A34D-8935CD8FCE2A}" type="datetimeFigureOut">
               <a:rPr lang="en-US" smtClean="0"/>
-              <a:t>6/26/2022</a:t>
+              <a:t>6/27/2022</a:t>
             </a:fld>
             <a:endParaRPr lang="en-US"/>
           </a:p>
@@ -3766,7 +3765,7 @@
           <a:p>
             <a:fld id="{8B9F530D-5A9A-4257-A34D-8935CD8FCE2A}" type="datetimeFigureOut">
               <a:rPr lang="en-US" smtClean="0"/>
-              <a:t>6/26/2022</a:t>
+              <a:t>6/27/2022</a:t>
             </a:fld>
             <a:endParaRPr lang="en-US"/>
           </a:p>
@@ -5719,380 +5718,6 @@
           <a:chExt cx="0" cy="0"/>
         </a:xfrm>
       </p:grpSpPr>
-      <p:sp>
-        <p:nvSpPr>
-          <p:cNvPr id="2" name="Titolo 1">
-            <a:extLst>
-              <a:ext uri="{FF2B5EF4-FFF2-40B4-BE49-F238E27FC236}">
-                <a16:creationId xmlns:a16="http://schemas.microsoft.com/office/drawing/2014/main" id="{438206D8-7432-4DA7-B1FC-72BC24E333AD}"/>
-              </a:ext>
-            </a:extLst>
-          </p:cNvPr>
-          <p:cNvSpPr>
-            <a:spLocks noGrp="1"/>
-          </p:cNvSpPr>
-          <p:nvPr>
-            <p:ph type="title"/>
-          </p:nvPr>
-        </p:nvSpPr>
-        <p:spPr>
-          <a:xfrm>
-            <a:off x="469901" y="333623"/>
-            <a:ext cx="7879951" cy="239183"/>
-          </a:xfrm>
-        </p:spPr>
-        <p:txBody>
-          <a:bodyPr/>
-          <a:lstStyle/>
-          <a:p>
-            <a:r>
-              <a:rPr lang="it-IT" dirty="0"/>
-              <a:t>REFERENDUM</a:t>
-            </a:r>
-            <a:br>
-              <a:rPr lang="it-IT" dirty="0"/>
-            </a:br>
-            <a:endParaRPr lang="it-IT" dirty="0"/>
-          </a:p>
-        </p:txBody>
-      </p:sp>
-      <p:sp>
-        <p:nvSpPr>
-          <p:cNvPr id="3" name="Segnaposto numero diapositiva 2">
-            <a:extLst>
-              <a:ext uri="{FF2B5EF4-FFF2-40B4-BE49-F238E27FC236}">
-                <a16:creationId xmlns:a16="http://schemas.microsoft.com/office/drawing/2014/main" id="{27279D32-69D9-47F3-8920-1F3646786D59}"/>
-              </a:ext>
-            </a:extLst>
-          </p:cNvPr>
-          <p:cNvSpPr>
-            <a:spLocks noGrp="1"/>
-          </p:cNvSpPr>
-          <p:nvPr>
-            <p:ph type="sldNum" sz="quarter" idx="12"/>
-          </p:nvPr>
-        </p:nvSpPr>
-        <p:spPr>
-          <a:xfrm>
-            <a:off x="539362" y="6348325"/>
-            <a:ext cx="2551173" cy="187153"/>
-          </a:xfrm>
-        </p:spPr>
-        <p:txBody>
-          <a:bodyPr/>
-          <a:lstStyle/>
-          <a:p>
-            <a:fld id="{ABA2C2F3-668E-8445-AF97-0721AE8CBE45}" type="slidenum">
-              <a:rPr lang="it-IT" smtClean="0"/>
-              <a:pPr/>
-              <a:t>14</a:t>
-            </a:fld>
-            <a:endParaRPr lang="it-IT"/>
-          </a:p>
-        </p:txBody>
-      </p:sp>
-      <p:sp>
-        <p:nvSpPr>
-          <p:cNvPr id="6" name="Segnaposto testo 5">
-            <a:extLst>
-              <a:ext uri="{FF2B5EF4-FFF2-40B4-BE49-F238E27FC236}">
-                <a16:creationId xmlns:a16="http://schemas.microsoft.com/office/drawing/2014/main" id="{DDB7ABD7-2C1B-45D1-86D8-AC6897BE812D}"/>
-              </a:ext>
-            </a:extLst>
-          </p:cNvPr>
-          <p:cNvSpPr>
-            <a:spLocks noGrp="1"/>
-          </p:cNvSpPr>
-          <p:nvPr>
-            <p:ph type="body" sz="quarter" idx="28"/>
-          </p:nvPr>
-        </p:nvSpPr>
-        <p:spPr>
-          <a:xfrm>
-            <a:off x="852796" y="6360117"/>
-            <a:ext cx="4725305" cy="88648"/>
-          </a:xfrm>
-        </p:spPr>
-        <p:txBody>
-          <a:bodyPr/>
-          <a:lstStyle/>
-          <a:p>
-            <a:endParaRPr lang="it-IT"/>
-          </a:p>
-        </p:txBody>
-      </p:sp>
-      <p:sp>
-        <p:nvSpPr>
-          <p:cNvPr id="7" name="Segnaposto testo 6">
-            <a:extLst>
-              <a:ext uri="{FF2B5EF4-FFF2-40B4-BE49-F238E27FC236}">
-                <a16:creationId xmlns:a16="http://schemas.microsoft.com/office/drawing/2014/main" id="{A369C572-448F-405E-8E74-CC7233BAE405}"/>
-              </a:ext>
-            </a:extLst>
-          </p:cNvPr>
-          <p:cNvSpPr>
-            <a:spLocks noGrp="1"/>
-          </p:cNvSpPr>
-          <p:nvPr>
-            <p:ph type="body" sz="quarter" idx="13"/>
-          </p:nvPr>
-        </p:nvSpPr>
-        <p:spPr>
-          <a:xfrm>
-            <a:off x="469901" y="640062"/>
-            <a:ext cx="6485524" cy="294449"/>
-          </a:xfrm>
-        </p:spPr>
-        <p:txBody>
-          <a:bodyPr/>
-          <a:lstStyle/>
-          <a:p>
-            <a:r>
-              <a:rPr lang="it-IT" dirty="0"/>
-              <a:t>Gestione di </a:t>
-            </a:r>
-            <a:r>
-              <a:rPr lang="it-IT"/>
-              <a:t>un referendum</a:t>
-            </a:r>
-            <a:endParaRPr lang="it-IT" dirty="0"/>
-          </a:p>
-        </p:txBody>
-      </p:sp>
-      <p:sp>
-        <p:nvSpPr>
-          <p:cNvPr id="9" name="Rettangolo 8">
-            <a:extLst>
-              <a:ext uri="{FF2B5EF4-FFF2-40B4-BE49-F238E27FC236}">
-                <a16:creationId xmlns:a16="http://schemas.microsoft.com/office/drawing/2014/main" id="{B6AC1E64-6170-457C-8300-1D57D14F385E}"/>
-              </a:ext>
-            </a:extLst>
-          </p:cNvPr>
-          <p:cNvSpPr/>
-          <p:nvPr/>
-        </p:nvSpPr>
-        <p:spPr>
-          <a:xfrm>
-            <a:off x="9161589" y="289155"/>
-            <a:ext cx="2794132" cy="5911348"/>
-          </a:xfrm>
-          <a:prstGeom prst="rect">
-            <a:avLst/>
-          </a:prstGeom>
-          <a:noFill/>
-          <a:ln w="28575">
-            <a:noFill/>
-          </a:ln>
-          <a:effectLst/>
-        </p:spPr>
-        <p:style>
-          <a:lnRef idx="1">
-            <a:schemeClr val="accent1"/>
-          </a:lnRef>
-          <a:fillRef idx="3">
-            <a:schemeClr val="accent1"/>
-          </a:fillRef>
-          <a:effectRef idx="2">
-            <a:schemeClr val="accent1"/>
-          </a:effectRef>
-          <a:fontRef idx="minor">
-            <a:schemeClr val="lt1"/>
-          </a:fontRef>
-        </p:style>
-        <p:txBody>
-          <a:bodyPr rtlCol="0" anchor="t"/>
-          <a:lstStyle/>
-          <a:p>
-            <a:r>
-              <a:rPr lang="it-IT" sz="1333" dirty="0">
-                <a:solidFill>
-                  <a:schemeClr val="tx1"/>
-                </a:solidFill>
-              </a:rPr>
-              <a:t>Se lo status della votazione è «Approvata» oppure «Terminata» il tasto «Conferma» non sarà visualizzato</a:t>
-            </a:r>
-          </a:p>
-          <a:p>
-            <a:endParaRPr lang="it-IT" sz="1333" dirty="0">
-              <a:solidFill>
-                <a:schemeClr val="tx1"/>
-              </a:solidFill>
-            </a:endParaRPr>
-          </a:p>
-          <a:p>
-            <a:endParaRPr lang="it-IT" sz="1333" dirty="0">
-              <a:solidFill>
-                <a:schemeClr val="tx1"/>
-              </a:solidFill>
-            </a:endParaRPr>
-          </a:p>
-          <a:p>
-            <a:pPr marL="342900" indent="-342900">
-              <a:buAutoNum type="arabicParenBoth"/>
-            </a:pPr>
-            <a:r>
-              <a:rPr lang="it-IT" sz="1333" dirty="0">
-                <a:solidFill>
-                  <a:schemeClr val="tx1"/>
-                </a:solidFill>
-              </a:rPr>
-              <a:t>Sarà invece visibile il tasto «Termina Subito la votazione», premendo questo tasto la votazione passerà subito nello status «Terminata»</a:t>
-            </a:r>
-          </a:p>
-          <a:p>
-            <a:pPr marL="342900" indent="-342900">
-              <a:buAutoNum type="arabicParenBoth"/>
-            </a:pPr>
-            <a:endParaRPr lang="it-IT" sz="1333" dirty="0">
-              <a:solidFill>
-                <a:schemeClr val="tx1"/>
-              </a:solidFill>
-            </a:endParaRPr>
-          </a:p>
-          <a:p>
-            <a:r>
-              <a:rPr lang="it-IT" sz="1333" dirty="0">
-                <a:solidFill>
-                  <a:schemeClr val="tx1"/>
-                </a:solidFill>
-              </a:rPr>
-              <a:t>Lo stesso risultato lo si può ottenere modificando la «data di fine» e cliccando su «Salva»</a:t>
-            </a:r>
-          </a:p>
-        </p:txBody>
-      </p:sp>
-      <p:sp>
-        <p:nvSpPr>
-          <p:cNvPr id="16" name="Fumetto: rettangolo 15">
-            <a:extLst>
-              <a:ext uri="{FF2B5EF4-FFF2-40B4-BE49-F238E27FC236}">
-                <a16:creationId xmlns:a16="http://schemas.microsoft.com/office/drawing/2014/main" id="{EAC415E9-89BC-6DF5-B3A3-FE645FEE5C53}"/>
-              </a:ext>
-            </a:extLst>
-          </p:cNvPr>
-          <p:cNvSpPr/>
-          <p:nvPr/>
-        </p:nvSpPr>
-        <p:spPr>
-          <a:xfrm>
-            <a:off x="11195438" y="6307015"/>
-            <a:ext cx="662454" cy="441210"/>
-          </a:xfrm>
-          <a:prstGeom prst="wedgeRectCallout">
-            <a:avLst/>
-          </a:prstGeom>
-        </p:spPr>
-        <p:style>
-          <a:lnRef idx="2">
-            <a:schemeClr val="accent1">
-              <a:shade val="50000"/>
-            </a:schemeClr>
-          </a:lnRef>
-          <a:fillRef idx="1">
-            <a:schemeClr val="accent1"/>
-          </a:fillRef>
-          <a:effectRef idx="0">
-            <a:schemeClr val="accent1"/>
-          </a:effectRef>
-          <a:fontRef idx="minor">
-            <a:schemeClr val="lt1"/>
-          </a:fontRef>
-        </p:style>
-        <p:txBody>
-          <a:bodyPr rtlCol="0" anchor="ctr"/>
-          <a:lstStyle/>
-          <a:p>
-            <a:pPr algn="ctr"/>
-            <a:r>
-              <a:rPr lang="it-IT" dirty="0"/>
-              <a:t>Logo</a:t>
-            </a:r>
-            <a:endParaRPr lang="en-US" dirty="0"/>
-          </a:p>
-        </p:txBody>
-      </p:sp>
-      <p:sp>
-        <p:nvSpPr>
-          <p:cNvPr id="14" name="Ovale 13">
-            <a:extLst>
-              <a:ext uri="{FF2B5EF4-FFF2-40B4-BE49-F238E27FC236}">
-                <a16:creationId xmlns:a16="http://schemas.microsoft.com/office/drawing/2014/main" id="{DFEE8C88-CF02-5323-31C5-1161FF155C08}"/>
-              </a:ext>
-            </a:extLst>
-          </p:cNvPr>
-          <p:cNvSpPr/>
-          <p:nvPr/>
-        </p:nvSpPr>
-        <p:spPr>
-          <a:xfrm>
-            <a:off x="5947333" y="5954731"/>
-            <a:ext cx="192000" cy="192000"/>
-          </a:xfrm>
-          <a:prstGeom prst="ellipse">
-            <a:avLst/>
-          </a:prstGeom>
-          <a:ln>
-            <a:noFill/>
-          </a:ln>
-        </p:spPr>
-        <p:style>
-          <a:lnRef idx="2">
-            <a:schemeClr val="accent1">
-              <a:shade val="50000"/>
-            </a:schemeClr>
-          </a:lnRef>
-          <a:fillRef idx="1">
-            <a:schemeClr val="accent1"/>
-          </a:fillRef>
-          <a:effectRef idx="0">
-            <a:schemeClr val="accent1"/>
-          </a:effectRef>
-          <a:fontRef idx="minor">
-            <a:schemeClr val="lt1"/>
-          </a:fontRef>
-        </p:style>
-        <p:txBody>
-          <a:bodyPr rtlCol="0" anchor="ctr"/>
-          <a:lstStyle/>
-          <a:p>
-            <a:pPr algn="ctr"/>
-            <a:r>
-              <a:rPr lang="it-IT" sz="1067" dirty="0"/>
-              <a:t>1</a:t>
-            </a:r>
-          </a:p>
-        </p:txBody>
-      </p:sp>
-    </p:spTree>
-    <p:extLst>
-      <p:ext uri="{BB962C8B-B14F-4D97-AF65-F5344CB8AC3E}">
-        <p14:creationId xmlns:p14="http://schemas.microsoft.com/office/powerpoint/2010/main" val="83970993"/>
-      </p:ext>
-    </p:extLst>
-  </p:cSld>
-  <p:clrMapOvr>
-    <a:masterClrMapping/>
-  </p:clrMapOvr>
-</p:sld>
-</file>
-
-<file path=ppt/slides/slide15.xml><?xml version="1.0" encoding="utf-8"?>
-<p:sld xmlns:a="http://schemas.openxmlformats.org/drawingml/2006/main" xmlns:r="http://schemas.openxmlformats.org/officeDocument/2006/relationships" xmlns:p="http://schemas.openxmlformats.org/presentationml/2006/main">
-  <p:cSld>
-    <p:spTree>
-      <p:nvGrpSpPr>
-        <p:cNvPr id="1" name=""/>
-        <p:cNvGrpSpPr/>
-        <p:nvPr/>
-      </p:nvGrpSpPr>
-      <p:grpSpPr>
-        <a:xfrm>
-          <a:off x="0" y="0"/>
-          <a:ext cx="0" cy="0"/>
-          <a:chOff x="0" y="0"/>
-          <a:chExt cx="0" cy="0"/>
-        </a:xfrm>
-      </p:grpSpPr>
       <p:pic>
         <p:nvPicPr>
           <p:cNvPr id="5" name="Immagine 4">
@@ -6189,7 +5814,7 @@
             <a:fld id="{ABA2C2F3-668E-8445-AF97-0721AE8CBE45}" type="slidenum">
               <a:rPr lang="it-IT" smtClean="0"/>
               <a:pPr/>
-              <a:t>15</a:t>
+              <a:t>14</a:t>
             </a:fld>
             <a:endParaRPr lang="it-IT"/>
           </a:p>
@@ -8948,7 +8573,7 @@
           <a:bodyPr/>
           <a:lstStyle/>
           <a:p>
-            <a:endParaRPr lang="it-IT"/>
+            <a:endParaRPr lang="it-IT" dirty="0"/>
           </a:p>
         </p:txBody>
       </p:sp>
@@ -9257,7 +8882,7 @@
         </p:nvSpPr>
         <p:spPr>
           <a:xfrm>
-            <a:off x="11195438" y="6307015"/>
+            <a:off x="11218884" y="6314873"/>
             <a:ext cx="662454" cy="441210"/>
           </a:xfrm>
           <a:prstGeom prst="wedgeRectCallout">
